--- a/tutorial/Web design.pptx
+++ b/tutorial/Web design.pptx
@@ -266,7 +266,7 @@
           <a:p>
             <a:fld id="{24F27CB5-FA62-4D23-8E17-2497F3CAEBB9}" type="datetimeFigureOut">
               <a:rPr lang="en-US" smtClean="0"/>
-              <a:t>24-May-23</a:t>
+              <a:t>26-May-23</a:t>
             </a:fld>
             <a:endParaRPr lang="en-US"/>
           </a:p>
@@ -464,7 +464,7 @@
           <a:p>
             <a:fld id="{24F27CB5-FA62-4D23-8E17-2497F3CAEBB9}" type="datetimeFigureOut">
               <a:rPr lang="en-US" smtClean="0"/>
-              <a:t>24-May-23</a:t>
+              <a:t>26-May-23</a:t>
             </a:fld>
             <a:endParaRPr lang="en-US"/>
           </a:p>
@@ -672,7 +672,7 @@
           <a:p>
             <a:fld id="{24F27CB5-FA62-4D23-8E17-2497F3CAEBB9}" type="datetimeFigureOut">
               <a:rPr lang="en-US" smtClean="0"/>
-              <a:t>24-May-23</a:t>
+              <a:t>26-May-23</a:t>
             </a:fld>
             <a:endParaRPr lang="en-US"/>
           </a:p>
@@ -870,7 +870,7 @@
           <a:p>
             <a:fld id="{24F27CB5-FA62-4D23-8E17-2497F3CAEBB9}" type="datetimeFigureOut">
               <a:rPr lang="en-US" smtClean="0"/>
-              <a:t>24-May-23</a:t>
+              <a:t>26-May-23</a:t>
             </a:fld>
             <a:endParaRPr lang="en-US"/>
           </a:p>
@@ -1145,7 +1145,7 @@
           <a:p>
             <a:fld id="{24F27CB5-FA62-4D23-8E17-2497F3CAEBB9}" type="datetimeFigureOut">
               <a:rPr lang="en-US" smtClean="0"/>
-              <a:t>24-May-23</a:t>
+              <a:t>26-May-23</a:t>
             </a:fld>
             <a:endParaRPr lang="en-US"/>
           </a:p>
@@ -1410,7 +1410,7 @@
           <a:p>
             <a:fld id="{24F27CB5-FA62-4D23-8E17-2497F3CAEBB9}" type="datetimeFigureOut">
               <a:rPr lang="en-US" smtClean="0"/>
-              <a:t>24-May-23</a:t>
+              <a:t>26-May-23</a:t>
             </a:fld>
             <a:endParaRPr lang="en-US"/>
           </a:p>
@@ -1822,7 +1822,7 @@
           <a:p>
             <a:fld id="{24F27CB5-FA62-4D23-8E17-2497F3CAEBB9}" type="datetimeFigureOut">
               <a:rPr lang="en-US" smtClean="0"/>
-              <a:t>24-May-23</a:t>
+              <a:t>26-May-23</a:t>
             </a:fld>
             <a:endParaRPr lang="en-US"/>
           </a:p>
@@ -1963,7 +1963,7 @@
           <a:p>
             <a:fld id="{24F27CB5-FA62-4D23-8E17-2497F3CAEBB9}" type="datetimeFigureOut">
               <a:rPr lang="en-US" smtClean="0"/>
-              <a:t>24-May-23</a:t>
+              <a:t>26-May-23</a:t>
             </a:fld>
             <a:endParaRPr lang="en-US"/>
           </a:p>
@@ -2076,7 +2076,7 @@
           <a:p>
             <a:fld id="{24F27CB5-FA62-4D23-8E17-2497F3CAEBB9}" type="datetimeFigureOut">
               <a:rPr lang="en-US" smtClean="0"/>
-              <a:t>24-May-23</a:t>
+              <a:t>26-May-23</a:t>
             </a:fld>
             <a:endParaRPr lang="en-US"/>
           </a:p>
@@ -2387,7 +2387,7 @@
           <a:p>
             <a:fld id="{24F27CB5-FA62-4D23-8E17-2497F3CAEBB9}" type="datetimeFigureOut">
               <a:rPr lang="en-US" smtClean="0"/>
-              <a:t>24-May-23</a:t>
+              <a:t>26-May-23</a:t>
             </a:fld>
             <a:endParaRPr lang="en-US"/>
           </a:p>
@@ -2675,7 +2675,7 @@
           <a:p>
             <a:fld id="{24F27CB5-FA62-4D23-8E17-2497F3CAEBB9}" type="datetimeFigureOut">
               <a:rPr lang="en-US" smtClean="0"/>
-              <a:t>24-May-23</a:t>
+              <a:t>26-May-23</a:t>
             </a:fld>
             <a:endParaRPr lang="en-US"/>
           </a:p>
@@ -2916,7 +2916,7 @@
           <a:p>
             <a:fld id="{24F27CB5-FA62-4D23-8E17-2497F3CAEBB9}" type="datetimeFigureOut">
               <a:rPr lang="en-US" smtClean="0"/>
-              <a:t>24-May-23</a:t>
+              <a:t>26-May-23</a:t>
             </a:fld>
             <a:endParaRPr lang="en-US"/>
           </a:p>
@@ -5056,71 +5056,73 @@
           <a:lstStyle/>
           <a:p>
             <a:r>
-              <a:rPr lang="en-US" dirty="0" err="1"/>
+              <a:rPr lang="en-US" dirty="0"/>
               <a:t>优点</a:t>
             </a:r>
+          </a:p>
+          <a:p>
+            <a:r>
+              <a:rPr lang="en-US" dirty="0"/>
+              <a:t>The overall use of bright colors makes people feel very comfortable. Proper use of font size allows people to distinguish what is important at a glance. Different colors are used to show the emphasis of that paragraph of text. There is a production video of ice cream, so that consumers can see the production status</a:t>
+            </a:r>
+          </a:p>
+          <a:p>
             <a:endParaRPr lang="en-US" dirty="0"/>
           </a:p>
           <a:p>
             <a:r>
               <a:rPr lang="en-US" dirty="0"/>
-              <a:t>The overall use of bright colors makes people feel very </a:t>
-            </a:r>
-            <a:r>
-              <a:rPr lang="en-US" dirty="0" err="1"/>
-              <a:t>comfortableProper</a:t>
-            </a:r>
-            <a:r>
-              <a:rPr lang="en-US" dirty="0"/>
-              <a:t> use of font size allows people to distinguish what is important at a </a:t>
-            </a:r>
-            <a:r>
-              <a:rPr lang="en-US" dirty="0" err="1"/>
-              <a:t>glanceDifferent</a:t>
-            </a:r>
-            <a:r>
-              <a:rPr lang="en-US" dirty="0"/>
-              <a:t> colors are used to show the emphasis of that paragraph of </a:t>
-            </a:r>
-            <a:r>
-              <a:rPr lang="en-US" dirty="0" err="1"/>
-              <a:t>textThere</a:t>
-            </a:r>
-            <a:r>
-              <a:rPr lang="en-US" dirty="0"/>
-              <a:t> is a production video of ice cream, so that consumers can see the production status</a:t>
-            </a:r>
-          </a:p>
-          <a:p>
-            <a:endParaRPr lang="en-US" dirty="0"/>
-          </a:p>
-          <a:p>
-            <a:r>
-              <a:rPr lang="en-US" dirty="0" err="1"/>
               <a:t>缺点</a:t>
             </a:r>
-            <a:endParaRPr lang="en-US" dirty="0"/>
-          </a:p>
-          <a:p>
-            <a:r>
-              <a:rPr lang="en-US" dirty="0"/>
-              <a:t>For computer users, the font is too large to read the entire </a:t>
-            </a:r>
-            <a:r>
-              <a:rPr lang="en-US" dirty="0" err="1"/>
-              <a:t>paragraphThe</a:t>
-            </a:r>
-            <a:r>
-              <a:rPr lang="en-US" dirty="0"/>
-              <a:t> design of "our story" is too monotonous and easy to be </a:t>
-            </a:r>
-            <a:r>
-              <a:rPr lang="en-US" dirty="0" err="1"/>
-              <a:t>ignoredThe</a:t>
-            </a:r>
-            <a:r>
-              <a:rPr lang="en-US" dirty="0"/>
-              <a:t> part showing ice cream at the bottom of the home page is in a sliding way, which is inconvenient for consumers who use computers to view</a:t>
+          </a:p>
+          <a:p>
+            <a:r>
+              <a:rPr lang="en-US" dirty="0">
+                <a:highlight>
+                  <a:srgbClr val="FFFF00"/>
+                </a:highlight>
+              </a:rPr>
+              <a:t>For computer users</a:t>
+            </a:r>
+            <a:r>
+              <a:rPr lang="en-US" dirty="0"/>
+              <a:t>, </a:t>
+            </a:r>
+            <a:r>
+              <a:rPr lang="en-US" dirty="0">
+                <a:highlight>
+                  <a:srgbClr val="FFFF00"/>
+                </a:highlight>
+              </a:rPr>
+              <a:t>the font </a:t>
+            </a:r>
+            <a:r>
+              <a:rPr lang="en-US" dirty="0"/>
+              <a:t>is too large to read the entire paragraph. </a:t>
+            </a:r>
+            <a:r>
+              <a:rPr lang="en-US" dirty="0">
+                <a:highlight>
+                  <a:srgbClr val="FFFF00"/>
+                </a:highlight>
+              </a:rPr>
+              <a:t>The design </a:t>
+            </a:r>
+            <a:r>
+              <a:rPr lang="en-US" dirty="0"/>
+              <a:t>of "our story" is too monotonous and easy to be ignored. The </a:t>
+            </a:r>
+            <a:r>
+              <a:rPr lang="en-US" dirty="0">
+                <a:highlight>
+                  <a:srgbClr val="FFFF00"/>
+                </a:highlight>
+              </a:rPr>
+              <a:t>part showing ice cream </a:t>
+            </a:r>
+            <a:r>
+              <a:rPr lang="en-US" dirty="0"/>
+              <a:t>at the bottom of the home page is in a sliding way, which is inconvenient for consumers who use computers to view</a:t>
             </a:r>
           </a:p>
         </p:txBody>
@@ -5170,15 +5172,74 @@
           </a:p>
           <a:p>
             <a:r>
-              <a:rPr lang="en-US" dirty="0" err="1"/>
+              <a:rPr lang="en-US" dirty="0"/>
               <a:t>缺点</a:t>
             </a:r>
-            <a:endParaRPr lang="en-US" dirty="0"/>
-          </a:p>
-          <a:p>
-            <a:r>
-              <a:rPr lang="en-US" dirty="0"/>
-              <a:t>The information it gives is all very concise and detailed. The disadvantage is that it does not show us the inside of the ice-cream. The second thing is that it has to move the explanation of the product by itself may make people ignore it</a:t>
+          </a:p>
+          <a:p>
+            <a:r>
+              <a:rPr lang="en-US" dirty="0"/>
+              <a:t>The </a:t>
+            </a:r>
+            <a:r>
+              <a:rPr lang="en-US" dirty="0">
+                <a:highlight>
+                  <a:srgbClr val="FFFF00"/>
+                </a:highlight>
+              </a:rPr>
+              <a:t>information it gives is all very concise </a:t>
+            </a:r>
+            <a:r>
+              <a:rPr lang="en-US" dirty="0"/>
+              <a:t>and detailed. The </a:t>
+            </a:r>
+            <a:r>
+              <a:rPr lang="en-US" dirty="0">
+                <a:highlight>
+                  <a:srgbClr val="FFFF00"/>
+                </a:highlight>
+              </a:rPr>
+              <a:t>disadvantage</a:t>
+            </a:r>
+            <a:r>
+              <a:rPr lang="en-US" dirty="0"/>
+              <a:t> is that it </a:t>
+            </a:r>
+            <a:r>
+              <a:rPr lang="en-US" dirty="0">
+                <a:highlight>
+                  <a:srgbClr val="FFFF00"/>
+                </a:highlight>
+              </a:rPr>
+              <a:t>does not show us the inside of the ice-cream</a:t>
+            </a:r>
+            <a:r>
+              <a:rPr lang="en-US" dirty="0"/>
+              <a:t>. The </a:t>
+            </a:r>
+            <a:r>
+              <a:rPr lang="en-US" dirty="0">
+                <a:highlight>
+                  <a:srgbClr val="FFFF00"/>
+                </a:highlight>
+              </a:rPr>
+              <a:t>second thing </a:t>
+            </a:r>
+            <a:r>
+              <a:rPr lang="en-US" dirty="0"/>
+              <a:t>is that it </a:t>
+            </a:r>
+            <a:r>
+              <a:rPr lang="en-US" dirty="0">
+                <a:highlight>
+                  <a:srgbClr val="FFFF00"/>
+                </a:highlight>
+              </a:rPr>
+              <a:t>has to move the explanation of the product </a:t>
+            </a:r>
+            <a:r>
+              <a:rPr lang="en-US" dirty="0"/>
+              <a:t>by itself may make people ignore it</a:t>
             </a:r>
           </a:p>
         </p:txBody>
